--- a/Elevator function description.pptx
+++ b/Elevator function description.pptx
@@ -217,7 +217,7 @@
           <a:p>
             <a:fld id="{AF869721-F543-4A6C-BF9D-65D7CC540427}" type="datetimeFigureOut">
               <a:rPr lang="en-US" smtClean="0"/>
-              <a:t>10/19/2021</a:t>
+              <a:t>10/26/2021</a:t>
             </a:fld>
             <a:endParaRPr lang="en-US" dirty="0"/>
           </a:p>
@@ -394,7 +394,7 @@
           <a:p>
             <a:fld id="{C732326A-4C88-4AFB-AA5B-5919D81DFF5B}" type="datetimeFigureOut">
               <a:rPr lang="en-US" smtClean="0"/>
-              <a:t>10/19/2021</a:t>
+              <a:t>10/26/2021</a:t>
             </a:fld>
             <a:endParaRPr lang="en-US" dirty="0"/>
           </a:p>
@@ -1075,7 +1075,7 @@
             <a:fld id="{B61BEF0D-F0BB-DE4B-95CE-6DB70DBA9567}" type="datetimeFigureOut">
               <a:rPr lang="en-US" smtClean="0"/>
               <a:pPr/>
-              <a:t>10/19/2021</a:t>
+              <a:t>10/26/2021</a:t>
             </a:fld>
             <a:endParaRPr lang="en-US" dirty="0"/>
           </a:p>
@@ -1339,7 +1339,7 @@
             <a:fld id="{B61BEF0D-F0BB-DE4B-95CE-6DB70DBA9567}" type="datetimeFigureOut">
               <a:rPr lang="en-US" smtClean="0"/>
               <a:pPr/>
-              <a:t>10/19/2021</a:t>
+              <a:t>10/26/2021</a:t>
             </a:fld>
             <a:endParaRPr lang="en-US" dirty="0"/>
           </a:p>
@@ -1576,7 +1576,7 @@
             <a:fld id="{B61BEF0D-F0BB-DE4B-95CE-6DB70DBA9567}" type="datetimeFigureOut">
               <a:rPr lang="en-US" smtClean="0"/>
               <a:pPr/>
-              <a:t>10/19/2021</a:t>
+              <a:t>10/26/2021</a:t>
             </a:fld>
             <a:endParaRPr lang="en-US" dirty="0"/>
           </a:p>
@@ -1818,7 +1818,7 @@
             <a:fld id="{B61BEF0D-F0BB-DE4B-95CE-6DB70DBA9567}" type="datetimeFigureOut">
               <a:rPr lang="en-US" smtClean="0"/>
               <a:pPr/>
-              <a:t>10/19/2021</a:t>
+              <a:t>10/26/2021</a:t>
             </a:fld>
             <a:endParaRPr lang="en-US" dirty="0"/>
           </a:p>
@@ -2127,7 +2127,7 @@
             <a:fld id="{B61BEF0D-F0BB-DE4B-95CE-6DB70DBA9567}" type="datetimeFigureOut">
               <a:rPr lang="en-US" smtClean="0"/>
               <a:pPr/>
-              <a:t>10/19/2021</a:t>
+              <a:t>10/26/2021</a:t>
             </a:fld>
             <a:endParaRPr lang="en-US" dirty="0"/>
           </a:p>
@@ -2431,7 +2431,7 @@
             <a:fld id="{B61BEF0D-F0BB-DE4B-95CE-6DB70DBA9567}" type="datetimeFigureOut">
               <a:rPr lang="en-US" smtClean="0"/>
               <a:pPr/>
-              <a:t>10/19/2021</a:t>
+              <a:t>10/26/2021</a:t>
             </a:fld>
             <a:endParaRPr lang="en-US" dirty="0"/>
           </a:p>
@@ -2855,7 +2855,7 @@
             <a:fld id="{B61BEF0D-F0BB-DE4B-95CE-6DB70DBA9567}" type="datetimeFigureOut">
               <a:rPr lang="en-US" smtClean="0"/>
               <a:pPr/>
-              <a:t>10/19/2021</a:t>
+              <a:t>10/26/2021</a:t>
             </a:fld>
             <a:endParaRPr lang="en-US" dirty="0"/>
           </a:p>
@@ -2952,7 +2952,7 @@
             <a:fld id="{B61BEF0D-F0BB-DE4B-95CE-6DB70DBA9567}" type="datetimeFigureOut">
               <a:rPr lang="en-US" smtClean="0"/>
               <a:pPr/>
-              <a:t>10/19/2021</a:t>
+              <a:t>10/26/2021</a:t>
             </a:fld>
             <a:endParaRPr lang="en-US" dirty="0"/>
           </a:p>
@@ -3116,7 +3116,7 @@
             <a:fld id="{B61BEF0D-F0BB-DE4B-95CE-6DB70DBA9567}" type="datetimeFigureOut">
               <a:rPr lang="en-US" smtClean="0"/>
               <a:pPr/>
-              <a:t>10/19/2021</a:t>
+              <a:t>10/26/2021</a:t>
             </a:fld>
             <a:endParaRPr lang="en-US" dirty="0"/>
           </a:p>
@@ -3496,7 +3496,7 @@
             <a:fld id="{B61BEF0D-F0BB-DE4B-95CE-6DB70DBA9567}" type="datetimeFigureOut">
               <a:rPr lang="en-US" smtClean="0"/>
               <a:pPr/>
-              <a:t>10/19/2021</a:t>
+              <a:t>10/26/2021</a:t>
             </a:fld>
             <a:endParaRPr lang="en-US" dirty="0"/>
           </a:p>
@@ -3787,7 +3787,7 @@
             <a:fld id="{B61BEF0D-F0BB-DE4B-95CE-6DB70DBA9567}" type="datetimeFigureOut">
               <a:rPr lang="en-US" smtClean="0"/>
               <a:pPr/>
-              <a:t>10/19/2021</a:t>
+              <a:t>10/26/2021</a:t>
             </a:fld>
             <a:endParaRPr lang="en-US" dirty="0"/>
           </a:p>
@@ -4000,7 +4000,7 @@
             <a:fld id="{B61BEF0D-F0BB-DE4B-95CE-6DB70DBA9567}" type="datetimeFigureOut">
               <a:rPr lang="en-US" smtClean="0"/>
               <a:pPr/>
-              <a:t>10/19/2021</a:t>
+              <a:t>10/26/2021</a:t>
             </a:fld>
             <a:endParaRPr lang="en-US" dirty="0"/>
           </a:p>
@@ -4978,18 +4978,13 @@
           <a:lstStyle/>
           <a:p>
             <a:r>
-              <a:rPr lang="en-US" sz="6000">
+              <a:rPr lang="en-US" sz="6000" dirty="0">
                 <a:solidFill>
                   <a:schemeClr val="bg1"/>
                 </a:solidFill>
               </a:rPr>
               <a:t>Tech design</a:t>
             </a:r>
-            <a:endParaRPr lang="en-US" sz="6000" dirty="0">
-              <a:solidFill>
-                <a:schemeClr val="bg1"/>
-              </a:solidFill>
-            </a:endParaRPr>
           </a:p>
         </p:txBody>
       </p:sp>
@@ -5021,6 +5016,14 @@
           </a:bodyPr>
           <a:lstStyle/>
           <a:p>
+            <a:r>
+              <a:rPr lang="en-US">
+                <a:solidFill>
+                  <a:srgbClr val="7CEBFF"/>
+                </a:solidFill>
+              </a:rPr>
+              <a:t>Elevator</a:t>
+            </a:r>
             <a:endParaRPr lang="en-US" dirty="0">
               <a:solidFill>
                 <a:srgbClr val="7CEBFF"/>
@@ -6628,24 +6631,6 @@
 </file>
 
 <file path=customXml/item1.xml><?xml version="1.0" encoding="utf-8"?>
-<p:properties xmlns:p="http://schemas.microsoft.com/office/2006/metadata/properties" xmlns:xsi="http://www.w3.org/2001/XMLSchema-instance" xmlns:pc="http://schemas.microsoft.com/office/infopath/2007/PartnerControls">
-  <documentManagement>
-    <Status xmlns="71af3243-3dd4-4a8d-8c0d-dd76da1f02a5">Not started</Status>
-    <MediaServiceKeyPoints xmlns="71af3243-3dd4-4a8d-8c0d-dd76da1f02a5" xsi:nil="true"/>
-  </documentManagement>
-</p:properties>
-</file>
-
-<file path=customXml/item2.xml><?xml version="1.0" encoding="utf-8"?>
-<?mso-contentType ?>
-<FormTemplates xmlns="http://schemas.microsoft.com/sharepoint/v3/contenttype/forms">
-  <Display>DocumentLibraryForm</Display>
-  <Edit>DocumentLibraryForm</Edit>
-  <New>DocumentLibraryForm</New>
-</FormTemplates>
-</file>
-
-<file path=customXml/item3.xml><?xml version="1.0" encoding="utf-8"?>
 <ct:contentTypeSchema xmlns:ct="http://schemas.microsoft.com/office/2006/metadata/contentType" xmlns:ma="http://schemas.microsoft.com/office/2006/metadata/properties/metaAttributes" ct:_="" ma:_="" ma:contentTypeName="Document" ma:contentTypeID="0x01010079F111ED35F8CC479449609E8A0923A6" ma:contentTypeVersion="12" ma:contentTypeDescription="Create a new document." ma:contentTypeScope="" ma:versionID="93813dd7ca6ad654711aa0ab317e03a3">
   <xsd:schema xmlns:xsd="http://www.w3.org/2001/XMLSchema" xmlns:xs="http://www.w3.org/2001/XMLSchema" xmlns:p="http://schemas.microsoft.com/office/2006/metadata/properties" xmlns:ns2="71af3243-3dd4-4a8d-8c0d-dd76da1f02a5" xmlns:ns3="16c05727-aa75-4e4a-9b5f-8a80a1165891" targetNamespace="http://schemas.microsoft.com/office/2006/metadata/properties" ma:root="true" ma:fieldsID="f11dc0ce689dd3925e84e4e35398c6e7" ns2:_="" ns3:_="">
     <xsd:import namespace="71af3243-3dd4-4a8d-8c0d-dd76da1f02a5"/>
@@ -6866,25 +6851,25 @@
 </ct:contentTypeSchema>
 </file>
 
-<file path=customXml/itemProps1.xml><?xml version="1.0" encoding="utf-8"?>
-<ds:datastoreItem xmlns:ds="http://schemas.openxmlformats.org/officeDocument/2006/customXml" ds:itemID="{55B48092-4A2C-4E16-B971-9ACADFFF69E4}">
-  <ds:schemaRefs>
-    <ds:schemaRef ds:uri="http://schemas.microsoft.com/office/2006/metadata/properties"/>
-    <ds:schemaRef ds:uri="http://schemas.microsoft.com/office/infopath/2007/PartnerControls"/>
-    <ds:schemaRef ds:uri="71af3243-3dd4-4a8d-8c0d-dd76da1f02a5"/>
-  </ds:schemaRefs>
-</ds:datastoreItem>
+<file path=customXml/item2.xml><?xml version="1.0" encoding="utf-8"?>
+<?mso-contentType ?>
+<FormTemplates xmlns="http://schemas.microsoft.com/sharepoint/v3/contenttype/forms">
+  <Display>DocumentLibraryForm</Display>
+  <Edit>DocumentLibraryForm</Edit>
+  <New>DocumentLibraryForm</New>
+</FormTemplates>
 </file>
 
-<file path=customXml/itemProps2.xml><?xml version="1.0" encoding="utf-8"?>
-<ds:datastoreItem xmlns:ds="http://schemas.openxmlformats.org/officeDocument/2006/customXml" ds:itemID="{3E586370-B0FB-4108-8B4F-329716A22E3A}">
-  <ds:schemaRefs>
-    <ds:schemaRef ds:uri="http://schemas.microsoft.com/sharepoint/v3/contenttype/forms"/>
-  </ds:schemaRefs>
-</ds:datastoreItem>
+<file path=customXml/item3.xml><?xml version="1.0" encoding="utf-8"?>
+<p:properties xmlns:p="http://schemas.microsoft.com/office/2006/metadata/properties" xmlns:xsi="http://www.w3.org/2001/XMLSchema-instance" xmlns:pc="http://schemas.microsoft.com/office/infopath/2007/PartnerControls">
+  <documentManagement>
+    <Status xmlns="71af3243-3dd4-4a8d-8c0d-dd76da1f02a5">Not started</Status>
+    <MediaServiceKeyPoints xmlns="71af3243-3dd4-4a8d-8c0d-dd76da1f02a5" xsi:nil="true"/>
+  </documentManagement>
+</p:properties>
 </file>
 
-<file path=customXml/itemProps3.xml><?xml version="1.0" encoding="utf-8"?>
+<file path=customXml/itemProps1.xml><?xml version="1.0" encoding="utf-8"?>
 <ds:datastoreItem xmlns:ds="http://schemas.openxmlformats.org/officeDocument/2006/customXml" ds:itemID="{E503B719-B9A6-4DC9-AA9D-06F16B758BCB}">
   <ds:schemaRefs>
     <ds:schemaRef ds:uri="http://schemas.microsoft.com/office/2006/metadata/contentType"/>
@@ -6901,4 +6886,22 @@
     <ds:schemaRef ds:uri="http://schemas.microsoft.com/internal/obd"/>
   </ds:schemaRefs>
 </ds:datastoreItem>
+</file>
+
+<file path=customXml/itemProps2.xml><?xml version="1.0" encoding="utf-8"?>
+<ds:datastoreItem xmlns:ds="http://schemas.openxmlformats.org/officeDocument/2006/customXml" ds:itemID="{3E586370-B0FB-4108-8B4F-329716A22E3A}">
+  <ds:schemaRefs>
+    <ds:schemaRef ds:uri="http://schemas.microsoft.com/sharepoint/v3/contenttype/forms"/>
+  </ds:schemaRefs>
+</ds:datastoreItem>
+</file>
+
+<file path=customXml/itemProps3.xml><?xml version="1.0" encoding="utf-8"?>
+<ds:datastoreItem xmlns:ds="http://schemas.openxmlformats.org/officeDocument/2006/customXml" ds:itemID="{55B48092-4A2C-4E16-B971-9ACADFFF69E4}">
+  <ds:schemaRefs>
+    <ds:schemaRef ds:uri="http://schemas.microsoft.com/office/2006/metadata/properties"/>
+    <ds:schemaRef ds:uri="http://schemas.microsoft.com/office/infopath/2007/PartnerControls"/>
+    <ds:schemaRef ds:uri="71af3243-3dd4-4a8d-8c0d-dd76da1f02a5"/>
+  </ds:schemaRefs>
+</ds:datastoreItem>
 </file>